--- a/Sample_Submission_CG19_hackathon.pptx
+++ b/Sample_Submission_CG19_hackathon.pptx
@@ -4324,7 +4324,7 @@
               </a:lnSpc>
             </a:pPr>
             <a:r>
-              <a:rPr lang="en-IN" sz="6000" spc="-1" smtClean="0">
+              <a:rPr lang="en-IN" sz="6000" b="1" i="1" spc="-1" dirty="0" smtClean="0">
                 <a:solidFill>
                   <a:srgbClr val="000000"/>
                 </a:solidFill>
@@ -4335,23 +4335,9 @@
                 </a:uFill>
                 <a:latin typeface="Calibri Light"/>
               </a:rPr>
-              <a:t>CG_TEAM_REAL-LIFE </a:t>
-            </a:r>
-            <a:r>
-              <a:rPr lang="en-IN" sz="6000" spc="-1" dirty="0" smtClean="0">
-                <a:solidFill>
-                  <a:srgbClr val="000000"/>
-                </a:solidFill>
-                <a:uFill>
-                  <a:solidFill>
-                    <a:srgbClr val="FFFFFF"/>
-                  </a:solidFill>
-                </a:uFill>
-                <a:latin typeface="Calibri Light"/>
-              </a:rPr>
-              <a:t>HACKERS</a:t>
-            </a:r>
-            <a:endParaRPr lang="x-none" sz="1800" b="0" strike="noStrike" spc="-1">
+              <a:t>REAL-LIFE HACKERS</a:t>
+            </a:r>
+            <a:endParaRPr lang="x-none" sz="1800" b="1" i="1" strike="noStrike" spc="-1">
               <a:solidFill>
                 <a:srgbClr val="000000"/>
               </a:solidFill>
@@ -4394,14 +4380,10 @@
               </a:lnSpc>
             </a:pPr>
             <a:r>
-              <a:rPr lang="en-US" sz="3200" dirty="0" smtClean="0"/>
-              <a:t>Artificial </a:t>
-            </a:r>
-            <a:r>
-              <a:rPr lang="en-US" sz="3200" dirty="0" smtClean="0"/>
-              <a:t>Intelligence</a:t>
-            </a:r>
-            <a:endParaRPr lang="en-IN" sz="3200" b="0" strike="noStrike" spc="-1" dirty="0" smtClean="0">
+              <a:rPr lang="en-US" sz="3200" b="1" dirty="0" smtClean="0"/>
+              <a:t>Artificial Intelligence</a:t>
+            </a:r>
+            <a:endParaRPr lang="en-IN" sz="3200" b="1" strike="noStrike" spc="-1" dirty="0" smtClean="0">
               <a:solidFill>
                 <a:srgbClr val="000000"/>
               </a:solidFill>
@@ -9834,7 +9816,7 @@
         </p:nvSpPr>
         <p:spPr>
           <a:xfrm>
-            <a:off x="838080" y="365040"/>
+            <a:off x="767408" y="260648"/>
             <a:ext cx="10515240" cy="1325160"/>
           </a:xfrm>
           <a:prstGeom prst="rect">
@@ -9890,7 +9872,7 @@
         </p:nvSpPr>
         <p:spPr>
           <a:xfrm>
-            <a:off x="838080" y="1825560"/>
+            <a:off x="767408" y="1484784"/>
             <a:ext cx="10515240" cy="4350960"/>
           </a:xfrm>
           <a:prstGeom prst="rect">
@@ -9912,24 +9894,78 @@
               <a:buClr>
                 <a:srgbClr val="000000"/>
               </a:buClr>
-              <a:buFont typeface="Arial"/>
-              <a:buChar char="•"/>
             </a:pPr>
             <a:r>
-              <a:rPr lang="x-none" sz="2800" b="0" i="1" strike="noStrike" spc="-1">
-                <a:solidFill>
-                  <a:srgbClr val="000000"/>
-                </a:solidFill>
-                <a:uFill>
-                  <a:solidFill>
-                    <a:srgbClr val="FFFFFF"/>
-                  </a:solidFill>
-                </a:uFill>
-                <a:latin typeface="Calibri"/>
-              </a:rPr>
-              <a:t>Provide the link to the demo/ prototype</a:t>
-            </a:r>
-            <a:endParaRPr lang="x-none" sz="2800" b="0" strike="noStrike" spc="-1">
+              <a:rPr lang="en-IN" sz="2800" b="1" i="1" spc="-1" dirty="0" smtClean="0">
+                <a:solidFill>
+                  <a:srgbClr val="000000"/>
+                </a:solidFill>
+                <a:uFill>
+                  <a:solidFill>
+                    <a:srgbClr val="FFFFFF"/>
+                  </a:solidFill>
+                </a:uFill>
+                <a:latin typeface="Calibri"/>
+              </a:rPr>
+              <a:t>L</a:t>
+            </a:r>
+            <a:r>
+              <a:rPr lang="x-none" sz="2800" b="1" i="1" strike="noStrike" spc="-1" smtClean="0">
+                <a:solidFill>
+                  <a:srgbClr val="000000"/>
+                </a:solidFill>
+                <a:uFill>
+                  <a:solidFill>
+                    <a:srgbClr val="FFFFFF"/>
+                  </a:solidFill>
+                </a:uFill>
+                <a:latin typeface="Calibri"/>
+              </a:rPr>
+              <a:t>ink </a:t>
+            </a:r>
+            <a:r>
+              <a:rPr lang="x-none" sz="2800" b="1" i="1" strike="noStrike" spc="-1">
+                <a:solidFill>
+                  <a:srgbClr val="000000"/>
+                </a:solidFill>
+                <a:uFill>
+                  <a:solidFill>
+                    <a:srgbClr val="FFFFFF"/>
+                  </a:solidFill>
+                </a:uFill>
+                <a:latin typeface="Calibri"/>
+              </a:rPr>
+              <a:t>to the demo/ </a:t>
+            </a:r>
+            <a:r>
+              <a:rPr lang="x-none" sz="2800" b="1" i="1" strike="noStrike" spc="-1" smtClean="0">
+                <a:solidFill>
+                  <a:srgbClr val="000000"/>
+                </a:solidFill>
+                <a:uFill>
+                  <a:solidFill>
+                    <a:srgbClr val="FFFFFF"/>
+                  </a:solidFill>
+                </a:uFill>
+                <a:latin typeface="Calibri"/>
+              </a:rPr>
+              <a:t>prototype</a:t>
+            </a:r>
+            <a:r>
+              <a:rPr lang="en-IN" sz="2800" b="1" i="1" strike="noStrike" spc="-1" dirty="0" smtClean="0">
+                <a:solidFill>
+                  <a:srgbClr val="000000"/>
+                </a:solidFill>
+                <a:uFill>
+                  <a:solidFill>
+                    <a:srgbClr val="FFFFFF"/>
+                  </a:solidFill>
+                </a:uFill>
+                <a:latin typeface="Calibri"/>
+              </a:rPr>
+              <a:t>-</a:t>
+            </a:r>
+            <a:endParaRPr lang="en-IN" sz="2800" b="1" i="1" strike="noStrike" spc="-1" dirty="0" smtClean="0">
               <a:solidFill>
                 <a:srgbClr val="000000"/>
               </a:solidFill>
@@ -9949,23 +9985,83 @@
               <a:buClr>
                 <a:srgbClr val="000000"/>
               </a:buClr>
+              <a:buFont typeface="Arial" pitchFamily="34" charset="0"/>
+              <a:buChar char="•"/>
+            </a:pPr>
+            <a:r>
+              <a:rPr lang="en-US" dirty="0" smtClean="0">
+                <a:hlinkClick r:id="rId2"/>
+              </a:rPr>
+              <a:t>https://github.com/aryachiranjeev/Parking-Lot/blob/master/Parking%20App%20Video.mp4</a:t>
+            </a:r>
+            <a:endParaRPr lang="x-none" b="0" strike="noStrike" spc="-1" smtClean="0">
+              <a:solidFill>
+                <a:srgbClr val="000000"/>
+              </a:solidFill>
+              <a:uFill>
+                <a:solidFill>
+                  <a:srgbClr val="FFFFFF"/>
+                </a:solidFill>
+              </a:uFill>
+              <a:latin typeface="Calibri"/>
+            </a:endParaRPr>
+          </a:p>
+          <a:p>
+            <a:pPr marL="228600" indent="-228240">
+              <a:lnSpc>
+                <a:spcPct val="90000"/>
+              </a:lnSpc>
+              <a:buClr>
+                <a:srgbClr val="000000"/>
+              </a:buClr>
+            </a:pPr>
+            <a:endParaRPr lang="en-IN" sz="2800" b="0" i="1" strike="noStrike" spc="-1" dirty="0" smtClean="0">
+              <a:solidFill>
+                <a:srgbClr val="000000"/>
+              </a:solidFill>
+              <a:uFill>
+                <a:solidFill>
+                  <a:srgbClr val="FFFFFF"/>
+                </a:solidFill>
+              </a:uFill>
+              <a:latin typeface="Calibri"/>
+            </a:endParaRPr>
+          </a:p>
+          <a:p>
+            <a:pPr marL="228600" indent="-228240">
+              <a:lnSpc>
+                <a:spcPct val="90000"/>
+              </a:lnSpc>
+              <a:buClr>
+                <a:srgbClr val="000000"/>
+              </a:buClr>
+            </a:pPr>
+            <a:r>
+              <a:rPr lang="en-IN" sz="2800" b="1" i="1" strike="noStrike" spc="-1" dirty="0" smtClean="0">
+                <a:solidFill>
+                  <a:srgbClr val="000000"/>
+                </a:solidFill>
+                <a:uFill>
+                  <a:solidFill>
+                    <a:srgbClr val="FFFFFF"/>
+                  </a:solidFill>
+                </a:uFill>
+                <a:latin typeface="Calibri"/>
+              </a:rPr>
+              <a:t>Snapshots-</a:t>
+            </a:r>
+          </a:p>
+          <a:p>
+            <a:pPr marL="228600" indent="-228240">
+              <a:lnSpc>
+                <a:spcPct val="90000"/>
+              </a:lnSpc>
+              <a:buClr>
+                <a:srgbClr val="000000"/>
+              </a:buClr>
               <a:buFont typeface="Arial"/>
               <a:buChar char="•"/>
             </a:pPr>
-            <a:r>
-              <a:rPr lang="x-none" sz="2800" b="0" i="1" strike="noStrike" spc="-1">
-                <a:solidFill>
-                  <a:srgbClr val="000000"/>
-                </a:solidFill>
-                <a:uFill>
-                  <a:solidFill>
-                    <a:srgbClr val="FFFFFF"/>
-                  </a:solidFill>
-                </a:uFill>
-                <a:latin typeface="Calibri"/>
-              </a:rPr>
-              <a:t>OR provide snapshots for reference</a:t>
-            </a:r>
             <a:endParaRPr lang="x-none" sz="2800" b="0" strike="noStrike" spc="-1">
               <a:solidFill>
                 <a:srgbClr val="000000"/>
@@ -10048,7 +10144,7 @@
           <p:nvPr/>
         </p:nvPicPr>
         <p:blipFill>
-          <a:blip r:embed="rId2" cstate="print"/>
+          <a:blip r:embed="rId3" cstate="print"/>
           <a:stretch/>
         </p:blipFill>
         <p:spPr>
@@ -10062,6 +10158,421 @@
           <a:ln>
             <a:noFill/>
           </a:ln>
+        </p:spPr>
+      </p:pic>
+      <p:pic>
+        <p:nvPicPr>
+          <p:cNvPr id="16" name="Picture 15"/>
+          <p:cNvPicPr/>
+          <p:nvPr/>
+        </p:nvPicPr>
+        <p:blipFill>
+          <a:blip r:embed="rId4" cstate="print"/>
+          <a:srcRect/>
+          <a:stretch>
+            <a:fillRect/>
+          </a:stretch>
+        </p:blipFill>
+        <p:spPr bwMode="auto">
+          <a:xfrm>
+            <a:off x="263352" y="3501008"/>
+            <a:ext cx="3456384" cy="2520280"/>
+          </a:xfrm>
+          <a:prstGeom prst="rect">
+            <a:avLst/>
+          </a:prstGeom>
+          <a:noFill/>
+          <a:ln w="9525">
+            <a:noFill/>
+            <a:miter lim="800000"/>
+            <a:headEnd/>
+            <a:tailEnd/>
+          </a:ln>
+        </p:spPr>
+      </p:pic>
+      <p:pic>
+        <p:nvPicPr>
+          <p:cNvPr id="17" name="Picture 16" descr="C:\Users\PHOENIX\Desktop\3.PNG"/>
+          <p:cNvPicPr/>
+          <p:nvPr/>
+        </p:nvPicPr>
+        <p:blipFill>
+          <a:blip r:embed="rId5" cstate="print"/>
+          <a:srcRect/>
+          <a:stretch>
+            <a:fillRect/>
+          </a:stretch>
+        </p:blipFill>
+        <p:spPr bwMode="auto">
+          <a:xfrm>
+            <a:off x="3935760" y="3501008"/>
+            <a:ext cx="4007768" cy="2448272"/>
+          </a:xfrm>
+          <a:prstGeom prst="rect">
+            <a:avLst/>
+          </a:prstGeom>
+          <a:noFill/>
+          <a:ln w="9525">
+            <a:noFill/>
+            <a:miter lim="800000"/>
+            <a:headEnd/>
+            <a:tailEnd/>
+          </a:ln>
+        </p:spPr>
+      </p:pic>
+      <p:sp>
+        <p:nvSpPr>
+          <p:cNvPr id="2059" name="Text Box 11"/>
+          <p:cNvSpPr txBox="1">
+            <a:spLocks noChangeArrowheads="1"/>
+          </p:cNvSpPr>
+          <p:nvPr/>
+        </p:nvSpPr>
+        <p:spPr bwMode="auto">
+          <a:xfrm>
+            <a:off x="3935760" y="6093296"/>
+            <a:ext cx="3888432" cy="504055"/>
+          </a:xfrm>
+          <a:prstGeom prst="rect">
+            <a:avLst/>
+          </a:prstGeom>
+          <a:solidFill>
+            <a:srgbClr val="FFFFFF"/>
+          </a:solidFill>
+          <a:ln w="9525">
+            <a:solidFill>
+              <a:srgbClr val="000000"/>
+            </a:solidFill>
+            <a:miter lim="800000"/>
+            <a:headEnd/>
+            <a:tailEnd/>
+          </a:ln>
+        </p:spPr>
+        <p:txBody>
+          <a:bodyPr vert="horz" wrap="square" lIns="91440" tIns="45720" rIns="91440" bIns="45720" numCol="1" anchor="t" anchorCtr="0" compatLnSpc="1">
+            <a:prstTxWarp prst="textNoShape">
+              <a:avLst/>
+            </a:prstTxWarp>
+          </a:bodyPr>
+          <a:lstStyle/>
+          <a:p>
+            <a:pPr marL="0" marR="0" lvl="0" indent="0" algn="l" defTabSz="914400" rtl="0" eaLnBrk="1" fontAlgn="base" latinLnBrk="0" hangingPunct="1">
+              <a:lnSpc>
+                <a:spcPct val="100000"/>
+              </a:lnSpc>
+              <a:spcBef>
+                <a:spcPct val="0"/>
+              </a:spcBef>
+              <a:spcAft>
+                <a:spcPts val="1000"/>
+              </a:spcAft>
+              <a:buClrTx/>
+              <a:buSzTx/>
+              <a:buFontTx/>
+              <a:buNone/>
+              <a:tabLst/>
+            </a:pPr>
+            <a:r>
+              <a:rPr kumimoji="0" lang="en-US" sz="1600" b="0" i="0" u="none" strike="noStrike" cap="none" normalizeH="0" baseline="0" dirty="0" smtClean="0">
+                <a:ln>
+                  <a:noFill/>
+                </a:ln>
+                <a:solidFill>
+                  <a:schemeClr val="tx1"/>
+                </a:solidFill>
+                <a:effectLst/>
+                <a:latin typeface="Calibri" pitchFamily="34" charset="0"/>
+                <a:cs typeface="Arial" pitchFamily="34" charset="0"/>
+              </a:rPr>
+              <a:t>Empty parking spaces are detected with Test Accuracy of 99.28%</a:t>
+            </a:r>
+            <a:endParaRPr kumimoji="0" lang="en-US" sz="1600" b="0" i="0" u="none" strike="noStrike" cap="none" normalizeH="0" baseline="0" dirty="0" smtClean="0">
+              <a:ln>
+                <a:noFill/>
+              </a:ln>
+              <a:solidFill>
+                <a:schemeClr val="tx1"/>
+              </a:solidFill>
+              <a:effectLst/>
+              <a:latin typeface="Arial" pitchFamily="34" charset="0"/>
+              <a:cs typeface="Arial" pitchFamily="34" charset="0"/>
+            </a:endParaRPr>
+          </a:p>
+        </p:txBody>
+      </p:sp>
+      <p:sp>
+        <p:nvSpPr>
+          <p:cNvPr id="2060" name="Text Box 12"/>
+          <p:cNvSpPr txBox="1">
+            <a:spLocks noChangeArrowheads="1"/>
+          </p:cNvSpPr>
+          <p:nvPr/>
+        </p:nvSpPr>
+        <p:spPr bwMode="auto">
+          <a:xfrm>
+            <a:off x="263352" y="6093296"/>
+            <a:ext cx="3312368" cy="504056"/>
+          </a:xfrm>
+          <a:prstGeom prst="rect">
+            <a:avLst/>
+          </a:prstGeom>
+          <a:solidFill>
+            <a:srgbClr val="FFFFFF"/>
+          </a:solidFill>
+          <a:ln w="9525">
+            <a:solidFill>
+              <a:srgbClr val="000000"/>
+            </a:solidFill>
+            <a:miter lim="800000"/>
+            <a:headEnd/>
+            <a:tailEnd/>
+          </a:ln>
+        </p:spPr>
+        <p:txBody>
+          <a:bodyPr vert="horz" wrap="square" lIns="91440" tIns="45720" rIns="91440" bIns="45720" numCol="1" anchor="t" anchorCtr="0" compatLnSpc="1">
+            <a:prstTxWarp prst="textNoShape">
+              <a:avLst/>
+            </a:prstTxWarp>
+          </a:bodyPr>
+          <a:lstStyle/>
+          <a:p>
+            <a:pPr marL="0" marR="0" lvl="0" indent="0" algn="l" defTabSz="914400" rtl="0" eaLnBrk="1" fontAlgn="base" latinLnBrk="0" hangingPunct="1">
+              <a:lnSpc>
+                <a:spcPct val="100000"/>
+              </a:lnSpc>
+              <a:spcBef>
+                <a:spcPct val="0"/>
+              </a:spcBef>
+              <a:spcAft>
+                <a:spcPts val="1000"/>
+              </a:spcAft>
+              <a:buClrTx/>
+              <a:buSzTx/>
+              <a:buFontTx/>
+              <a:buNone/>
+              <a:tabLst/>
+            </a:pPr>
+            <a:r>
+              <a:rPr kumimoji="0" lang="en-IN" sz="1600" b="0" i="0" u="none" strike="noStrike" cap="none" normalizeH="0" baseline="0" dirty="0" smtClean="0">
+                <a:ln>
+                  <a:noFill/>
+                </a:ln>
+                <a:solidFill>
+                  <a:schemeClr val="tx1"/>
+                </a:solidFill>
+                <a:effectLst/>
+                <a:latin typeface="Calibri" pitchFamily="34" charset="0"/>
+                <a:cs typeface="Arial" pitchFamily="34" charset="0"/>
+              </a:rPr>
+              <a:t>Cars in Parking Slots in Parking Lot </a:t>
+            </a:r>
+            <a:endParaRPr kumimoji="0" lang="en-US" sz="1600" b="0" i="0" u="none" strike="noStrike" cap="none" normalizeH="0" baseline="0" dirty="0" smtClean="0">
+              <a:ln>
+                <a:noFill/>
+              </a:ln>
+              <a:solidFill>
+                <a:schemeClr val="tx1"/>
+              </a:solidFill>
+              <a:effectLst/>
+              <a:latin typeface="Arial" pitchFamily="34" charset="0"/>
+              <a:cs typeface="Arial" pitchFamily="34" charset="0"/>
+            </a:endParaRPr>
+          </a:p>
+        </p:txBody>
+      </p:sp>
+      <p:sp>
+        <p:nvSpPr>
+          <p:cNvPr id="2061" name="Text Box 13"/>
+          <p:cNvSpPr txBox="1">
+            <a:spLocks noChangeArrowheads="1"/>
+          </p:cNvSpPr>
+          <p:nvPr/>
+        </p:nvSpPr>
+        <p:spPr bwMode="auto">
+          <a:xfrm>
+            <a:off x="8328248" y="6165304"/>
+            <a:ext cx="3384376" cy="504056"/>
+          </a:xfrm>
+          <a:prstGeom prst="rect">
+            <a:avLst/>
+          </a:prstGeom>
+          <a:solidFill>
+            <a:srgbClr val="FFFFFF"/>
+          </a:solidFill>
+          <a:ln w="9525">
+            <a:solidFill>
+              <a:srgbClr val="000000"/>
+            </a:solidFill>
+            <a:miter lim="800000"/>
+            <a:headEnd/>
+            <a:tailEnd/>
+          </a:ln>
+        </p:spPr>
+        <p:txBody>
+          <a:bodyPr vert="horz" wrap="square" lIns="91440" tIns="45720" rIns="91440" bIns="45720" numCol="1" anchor="t" anchorCtr="0" compatLnSpc="1">
+            <a:prstTxWarp prst="textNoShape">
+              <a:avLst/>
+            </a:prstTxWarp>
+          </a:bodyPr>
+          <a:lstStyle/>
+          <a:p>
+            <a:pPr marL="0" marR="0" lvl="0" indent="0" algn="l" defTabSz="914400" rtl="0" eaLnBrk="1" fontAlgn="base" latinLnBrk="0" hangingPunct="1">
+              <a:lnSpc>
+                <a:spcPct val="100000"/>
+              </a:lnSpc>
+              <a:spcBef>
+                <a:spcPct val="0"/>
+              </a:spcBef>
+              <a:spcAft>
+                <a:spcPts val="1000"/>
+              </a:spcAft>
+              <a:buClrTx/>
+              <a:buSzTx/>
+              <a:buFontTx/>
+              <a:buNone/>
+              <a:tabLst/>
+            </a:pPr>
+            <a:r>
+              <a:rPr kumimoji="0" lang="en-IN" b="0" i="0" u="none" strike="noStrike" cap="none" normalizeH="0" baseline="0" dirty="0" smtClean="0">
+                <a:ln>
+                  <a:noFill/>
+                </a:ln>
+                <a:solidFill>
+                  <a:schemeClr val="tx1"/>
+                </a:solidFill>
+                <a:effectLst/>
+                <a:latin typeface="Calibri" pitchFamily="34" charset="0"/>
+                <a:cs typeface="Arial" pitchFamily="34" charset="0"/>
+              </a:rPr>
+              <a:t>     </a:t>
+            </a:r>
+            <a:r>
+              <a:rPr kumimoji="0" lang="en-IN" b="0" i="0" u="none" strike="noStrike" cap="none" normalizeH="0" baseline="0" dirty="0" smtClean="0">
+                <a:ln>
+                  <a:noFill/>
+                </a:ln>
+                <a:solidFill>
+                  <a:schemeClr val="tx1"/>
+                </a:solidFill>
+                <a:effectLst/>
+                <a:latin typeface="Calibri" pitchFamily="34" charset="0"/>
+                <a:cs typeface="Arial" pitchFamily="34" charset="0"/>
+              </a:rPr>
+              <a:t>  </a:t>
+            </a:r>
+            <a:r>
+              <a:rPr lang="en-IN" dirty="0" smtClean="0">
+                <a:latin typeface="Calibri" pitchFamily="34" charset="0"/>
+                <a:cs typeface="Arial" pitchFamily="34" charset="0"/>
+              </a:rPr>
+              <a:t>Some </a:t>
+            </a:r>
+            <a:r>
+              <a:rPr kumimoji="0" lang="en-IN" b="0" i="0" u="none" strike="noStrike" cap="none" normalizeH="0" baseline="0" dirty="0" smtClean="0">
+                <a:ln>
+                  <a:noFill/>
+                </a:ln>
+                <a:solidFill>
+                  <a:schemeClr val="tx1"/>
+                </a:solidFill>
+                <a:effectLst/>
+                <a:latin typeface="Calibri" pitchFamily="34" charset="0"/>
+                <a:cs typeface="Arial" pitchFamily="34" charset="0"/>
+              </a:rPr>
+              <a:t>Android </a:t>
+            </a:r>
+            <a:r>
+              <a:rPr kumimoji="0" lang="en-IN" b="0" i="0" u="none" strike="noStrike" cap="none" normalizeH="0" baseline="0" dirty="0" smtClean="0">
+                <a:ln>
+                  <a:noFill/>
+                </a:ln>
+                <a:solidFill>
+                  <a:schemeClr val="tx1"/>
+                </a:solidFill>
+                <a:effectLst/>
+                <a:latin typeface="Calibri" pitchFamily="34" charset="0"/>
+                <a:cs typeface="Arial" pitchFamily="34" charset="0"/>
+              </a:rPr>
+              <a:t>App </a:t>
+            </a:r>
+            <a:r>
+              <a:rPr kumimoji="0" lang="en-IN" b="0" i="0" u="none" strike="noStrike" cap="none" normalizeH="0" baseline="0" dirty="0" smtClean="0">
+                <a:ln>
+                  <a:noFill/>
+                </a:ln>
+                <a:solidFill>
+                  <a:schemeClr val="tx1"/>
+                </a:solidFill>
+                <a:effectLst/>
+                <a:latin typeface="Calibri" pitchFamily="34" charset="0"/>
+                <a:cs typeface="Arial" pitchFamily="34" charset="0"/>
+              </a:rPr>
+              <a:t>Glimpses</a:t>
+            </a:r>
+            <a:endParaRPr kumimoji="0" lang="en-US" b="0" i="0" u="none" strike="noStrike" cap="none" normalizeH="0" baseline="0" dirty="0" smtClean="0">
+              <a:ln>
+                <a:noFill/>
+              </a:ln>
+              <a:solidFill>
+                <a:schemeClr val="tx1"/>
+              </a:solidFill>
+              <a:effectLst/>
+              <a:latin typeface="Arial" pitchFamily="34" charset="0"/>
+              <a:cs typeface="Arial" pitchFamily="34" charset="0"/>
+            </a:endParaRPr>
+          </a:p>
+        </p:txBody>
+      </p:sp>
+      <p:pic>
+        <p:nvPicPr>
+          <p:cNvPr id="1026" name="Picture 2" descr="C:\Users\PHOENIX\Desktop\WhatsApp Image 2019-05-27 at 2.28.20 AM.jpeg"/>
+          <p:cNvPicPr>
+            <a:picLocks noChangeAspect="1" noChangeArrowheads="1"/>
+          </p:cNvPicPr>
+          <p:nvPr/>
+        </p:nvPicPr>
+        <p:blipFill>
+          <a:blip r:embed="rId6" cstate="print"/>
+          <a:srcRect/>
+          <a:stretch>
+            <a:fillRect/>
+          </a:stretch>
+        </p:blipFill>
+        <p:spPr bwMode="auto">
+          <a:xfrm>
+            <a:off x="8040216" y="2348880"/>
+            <a:ext cx="2110355" cy="3751741"/>
+          </a:xfrm>
+          <a:prstGeom prst="rect">
+            <a:avLst/>
+          </a:prstGeom>
+          <a:noFill/>
+        </p:spPr>
+      </p:pic>
+      <p:pic>
+        <p:nvPicPr>
+          <p:cNvPr id="1027" name="Picture 3" descr="C:\Users\PHOENIX\Desktop\WhatsApp Image 2019-05-27 at 2.28.26 AM.jpeg"/>
+          <p:cNvPicPr>
+            <a:picLocks noChangeAspect="1" noChangeArrowheads="1"/>
+          </p:cNvPicPr>
+          <p:nvPr/>
+        </p:nvPicPr>
+        <p:blipFill>
+          <a:blip r:embed="rId7" cstate="print"/>
+          <a:srcRect/>
+          <a:stretch>
+            <a:fillRect/>
+          </a:stretch>
+        </p:blipFill>
+        <p:spPr bwMode="auto">
+          <a:xfrm>
+            <a:off x="10200456" y="2348880"/>
+            <a:ext cx="1991544" cy="3767064"/>
+          </a:xfrm>
+          <a:prstGeom prst="rect">
+            <a:avLst/>
+          </a:prstGeom>
+          <a:noFill/>
         </p:spPr>
       </p:pic>
     </p:spTree>
@@ -10779,10 +11290,24 @@
                 </a:uFill>
                 <a:latin typeface="Calibri"/>
               </a:rPr>
-              <a:t>97</a:t>
-            </a:r>
-            <a:r>
-              <a:rPr lang="x-none" sz="2200" b="1" i="1" strike="noStrike" spc="-1">
+              <a:t>9</a:t>
+            </a:r>
+            <a:r>
+              <a:rPr lang="en-IN" sz="2200" b="1" i="1" strike="noStrike" spc="-1" dirty="0" smtClean="0">
+                <a:solidFill>
+                  <a:srgbClr val="000000"/>
+                </a:solidFill>
+                <a:uFill>
+                  <a:solidFill>
+                    <a:srgbClr val="FFFFFF"/>
+                  </a:solidFill>
+                </a:uFill>
+                <a:latin typeface="Calibri"/>
+              </a:rPr>
+              <a:t>8</a:t>
+            </a:r>
+            <a:r>
+              <a:rPr lang="x-none" sz="2200" b="1" i="1" strike="noStrike" spc="-1" smtClean="0">
                 <a:solidFill>
                   <a:srgbClr val="000000"/>
                 </a:solidFill>
@@ -10835,7 +11360,21 @@
                 </a:uFill>
                 <a:latin typeface="Calibri"/>
               </a:rPr>
-              <a:t>Validation Accuracy 98% </a:t>
+              <a:t>Validation Accuracy </a:t>
+            </a:r>
+            <a:r>
+              <a:rPr lang="en-IN" sz="2200" b="1" i="1" spc="-1" dirty="0" smtClean="0">
+                <a:solidFill>
+                  <a:srgbClr val="000000"/>
+                </a:solidFill>
+                <a:uFill>
+                  <a:solidFill>
+                    <a:srgbClr val="FFFFFF"/>
+                  </a:solidFill>
+                </a:uFill>
+                <a:latin typeface="Calibri"/>
+              </a:rPr>
+              <a:t>99% </a:t>
             </a:r>
             <a:r>
               <a:rPr lang="x-none" sz="2200" b="1" i="1" strike="noStrike" spc="-1" smtClean="0">
@@ -13145,7 +13684,49 @@
                 <a:srgbClr val="000000"/>
               </a:buClr>
             </a:pPr>
-            <a:endParaRPr lang="x-none" sz="2800" b="0" strike="noStrike" spc="-1">
+            <a:r>
+              <a:rPr lang="x-none" sz="3600" b="1" i="1" strike="noStrike" spc="-1" smtClean="0">
+                <a:solidFill>
+                  <a:srgbClr val="000000"/>
+                </a:solidFill>
+                <a:uFill>
+                  <a:solidFill>
+                    <a:srgbClr val="FFFFFF"/>
+                  </a:solidFill>
+                </a:uFill>
+                <a:latin typeface="Calibri"/>
+              </a:rPr>
+              <a:t>Technical </a:t>
+            </a:r>
+            <a:r>
+              <a:rPr lang="x-none" sz="3600" b="1" i="1" strike="noStrike" spc="-1">
+                <a:solidFill>
+                  <a:srgbClr val="000000"/>
+                </a:solidFill>
+                <a:uFill>
+                  <a:solidFill>
+                    <a:srgbClr val="FFFFFF"/>
+                  </a:solidFill>
+                </a:uFill>
+                <a:latin typeface="Calibri"/>
+              </a:rPr>
+              <a:t>architecture </a:t>
+            </a:r>
+            <a:r>
+              <a:rPr lang="en-IN" sz="3600" b="1" i="1" spc="-1" dirty="0" smtClean="0">
+                <a:solidFill>
+                  <a:srgbClr val="000000"/>
+                </a:solidFill>
+                <a:uFill>
+                  <a:solidFill>
+                    <a:srgbClr val="FFFFFF"/>
+                  </a:solidFill>
+                </a:uFill>
+                <a:latin typeface="Calibri"/>
+              </a:rPr>
+              <a:t>-</a:t>
+            </a:r>
+            <a:endParaRPr lang="en-IN" sz="3600" b="1" i="1" strike="noStrike" spc="-1" dirty="0" smtClean="0">
               <a:solidFill>
                 <a:srgbClr val="000000"/>
               </a:solidFill>
@@ -13165,46 +13746,22 @@
               <a:buClr>
                 <a:srgbClr val="000000"/>
               </a:buClr>
+              <a:buFont typeface="Arial" pitchFamily="34" charset="0"/>
+              <a:buChar char="•"/>
             </a:pPr>
             <a:r>
-              <a:rPr lang="x-none" sz="3600" b="1" i="1" strike="noStrike" spc="-1">
-                <a:solidFill>
-                  <a:srgbClr val="000000"/>
-                </a:solidFill>
-                <a:uFill>
-                  <a:solidFill>
-                    <a:srgbClr val="FFFFFF"/>
-                  </a:solidFill>
-                </a:uFill>
-                <a:latin typeface="Calibri"/>
-              </a:rPr>
-              <a:t>Technical architecture (POC</a:t>
-            </a:r>
-            <a:r>
-              <a:rPr lang="x-none" sz="3600" b="1" i="1" strike="noStrike" spc="-1" smtClean="0">
-                <a:solidFill>
-                  <a:srgbClr val="000000"/>
-                </a:solidFill>
-                <a:uFill>
-                  <a:solidFill>
-                    <a:srgbClr val="FFFFFF"/>
-                  </a:solidFill>
-                </a:uFill>
-                <a:latin typeface="Calibri"/>
-              </a:rPr>
-              <a:t>)</a:t>
-            </a:r>
-            <a:endParaRPr lang="en-IN" sz="3600" b="1" i="1" strike="noStrike" spc="-1" dirty="0" smtClean="0">
-              <a:solidFill>
-                <a:srgbClr val="000000"/>
-              </a:solidFill>
-              <a:uFill>
-                <a:solidFill>
-                  <a:srgbClr val="FFFFFF"/>
-                </a:solidFill>
-              </a:uFill>
-              <a:latin typeface="Calibri"/>
-            </a:endParaRPr>
+              <a:rPr lang="en-US" sz="1600" dirty="0" smtClean="0">
+                <a:hlinkClick r:id="rId2"/>
+              </a:rPr>
+              <a:t>https://github.com/aryachiranjeev/Parking-Lot/blob/master/Read%20Me(Technial%20Architecture).</a:t>
+            </a:r>
+            <a:r>
+              <a:rPr lang="en-US" sz="1600" dirty="0" smtClean="0">
+                <a:hlinkClick r:id="rId2"/>
+              </a:rPr>
+              <a:t>docx</a:t>
+            </a:r>
+            <a:endParaRPr lang="en-US" sz="1600" dirty="0" smtClean="0"/>
           </a:p>
           <a:p>
             <a:pPr marL="228600" indent="-228240">
@@ -13214,15 +13771,49 @@
               <a:buClr>
                 <a:srgbClr val="000000"/>
               </a:buClr>
+            </a:pPr>
+            <a:endParaRPr lang="en-US" sz="1600" dirty="0" smtClean="0"/>
+          </a:p>
+          <a:p>
+            <a:pPr marL="228600" indent="-228240">
+              <a:lnSpc>
+                <a:spcPct val="90000"/>
+              </a:lnSpc>
+              <a:buClr>
+                <a:srgbClr val="000000"/>
+              </a:buClr>
               <a:buFont typeface="Arial" pitchFamily="34" charset="0"/>
               <a:buChar char="•"/>
             </a:pPr>
             <a:r>
-              <a:rPr lang="en-US" sz="2000" dirty="0" smtClean="0">
-                <a:hlinkClick r:id="rId2"/>
+              <a:rPr lang="en-US" sz="1600" dirty="0" smtClean="0">
+                <a:hlinkClick r:id="rId3"/>
               </a:rPr>
               <a:t>https://github.com/aryachiranjeev/Parking-Lot/blob/master/project%20architecture.docx</a:t>
             </a:r>
+            <a:endParaRPr lang="en-IN" sz="1600" b="1" i="1" strike="noStrike" spc="-1" dirty="0" smtClean="0">
+              <a:solidFill>
+                <a:srgbClr val="000000"/>
+              </a:solidFill>
+              <a:uFill>
+                <a:solidFill>
+                  <a:srgbClr val="FFFFFF"/>
+                </a:solidFill>
+              </a:uFill>
+              <a:latin typeface="Calibri"/>
+            </a:endParaRPr>
+          </a:p>
+          <a:p>
+            <a:pPr marL="228600" indent="-228240">
+              <a:lnSpc>
+                <a:spcPct val="90000"/>
+              </a:lnSpc>
+              <a:buClr>
+                <a:srgbClr val="000000"/>
+              </a:buClr>
+              <a:buFont typeface="Arial" pitchFamily="34" charset="0"/>
+              <a:buChar char="•"/>
+            </a:pPr>
             <a:endParaRPr lang="x-none" sz="2000" b="1" strike="noStrike" spc="-1">
               <a:solidFill>
                 <a:srgbClr val="000000"/>
@@ -13305,7 +13896,7 @@
           <p:nvPr/>
         </p:nvPicPr>
         <p:blipFill>
-          <a:blip r:embed="rId3" cstate="print"/>
+          <a:blip r:embed="rId4" cstate="print"/>
           <a:stretch/>
         </p:blipFill>
         <p:spPr>
@@ -15016,20 +15607,362 @@
               <a:buChar char="•"/>
             </a:pPr>
             <a:r>
-              <a:rPr lang="x-none" sz="2800" b="0" i="1" strike="noStrike" spc="-1">
-                <a:solidFill>
-                  <a:srgbClr val="000000"/>
-                </a:solidFill>
-                <a:uFill>
-                  <a:solidFill>
-                    <a:srgbClr val="FFFFFF"/>
-                  </a:solidFill>
-                </a:uFill>
-                <a:latin typeface="Calibri"/>
-              </a:rPr>
-              <a:t>Mention all the files in addition to the power-point that should be considered for evaluation</a:t>
-            </a:r>
-            <a:endParaRPr lang="x-none" sz="2800" b="0" strike="noStrike" spc="-1">
+              <a:rPr lang="en-IN" sz="2200" b="1" strike="noStrike" spc="-1" dirty="0" smtClean="0">
+                <a:solidFill>
+                  <a:srgbClr val="000000"/>
+                </a:solidFill>
+                <a:uFill>
+                  <a:solidFill>
+                    <a:srgbClr val="FFFFFF"/>
+                  </a:solidFill>
+                </a:uFill>
+                <a:latin typeface="Calibri"/>
+              </a:rPr>
+              <a:t>Dataset link- </a:t>
+            </a:r>
+            <a:r>
+              <a:rPr lang="en-US" sz="1600" dirty="0" smtClean="0">
+                <a:hlinkClick r:id="rId2"/>
+              </a:rPr>
+              <a:t>https://github.com/aryachiranjeev/Parking-Lot/blob/master/puc_data_segmented.tar</a:t>
+            </a:r>
+            <a:endParaRPr lang="en-US" sz="1600" dirty="0" smtClean="0"/>
+          </a:p>
+          <a:p>
+            <a:pPr marL="228600" indent="-228240">
+              <a:lnSpc>
+                <a:spcPct val="90000"/>
+              </a:lnSpc>
+              <a:buClr>
+                <a:srgbClr val="000000"/>
+              </a:buClr>
+              <a:buFont typeface="Arial"/>
+              <a:buChar char="•"/>
+            </a:pPr>
+            <a:endParaRPr lang="en-US" sz="1600" dirty="0" smtClean="0"/>
+          </a:p>
+          <a:p>
+            <a:pPr marL="228600" indent="-228240">
+              <a:lnSpc>
+                <a:spcPct val="90000"/>
+              </a:lnSpc>
+              <a:buClr>
+                <a:srgbClr val="000000"/>
+              </a:buClr>
+              <a:buFont typeface="Arial"/>
+              <a:buChar char="•"/>
+            </a:pPr>
+            <a:r>
+              <a:rPr lang="en-IN" sz="2000" b="1" dirty="0" smtClean="0"/>
+              <a:t>Parking Lot image-</a:t>
+            </a:r>
+            <a:r>
+              <a:rPr lang="en-US" sz="2000" dirty="0" smtClean="0">
+                <a:hlinkClick r:id="rId3"/>
+              </a:rPr>
+              <a:t>https://github.com/aryachiranjeev/Parking-Lot/blob/master/test.jpg</a:t>
+            </a:r>
+            <a:endParaRPr lang="en-US" sz="2000" b="1" dirty="0" smtClean="0"/>
+          </a:p>
+          <a:p>
+            <a:pPr marL="228600" indent="-228240">
+              <a:lnSpc>
+                <a:spcPct val="90000"/>
+              </a:lnSpc>
+              <a:buClr>
+                <a:srgbClr val="000000"/>
+              </a:buClr>
+              <a:buFont typeface="Arial"/>
+              <a:buChar char="•"/>
+            </a:pPr>
+            <a:endParaRPr lang="en-IN" dirty="0" smtClean="0"/>
+          </a:p>
+          <a:p>
+            <a:pPr marL="228600" indent="-228240">
+              <a:lnSpc>
+                <a:spcPct val="90000"/>
+              </a:lnSpc>
+              <a:buClr>
+                <a:srgbClr val="000000"/>
+              </a:buClr>
+              <a:buFont typeface="Arial"/>
+              <a:buChar char="•"/>
+            </a:pPr>
+            <a:r>
+              <a:rPr lang="en-IN" sz="1900" b="1" dirty="0" smtClean="0"/>
+              <a:t>CNN Model link </a:t>
+            </a:r>
+            <a:r>
+              <a:rPr lang="en-IN" sz="1600" b="1" dirty="0" smtClean="0"/>
+              <a:t>-</a:t>
+            </a:r>
+            <a:r>
+              <a:rPr lang="en-IN" sz="1600" dirty="0" smtClean="0"/>
+              <a:t> </a:t>
+            </a:r>
+            <a:r>
+              <a:rPr lang="en-US" sz="1600" dirty="0" smtClean="0">
+                <a:hlinkClick r:id="rId4"/>
+              </a:rPr>
+              <a:t>https://github.com/aryachiranjeev/Parking-Lot/blob/master/CNN_MODEL_PARKING.ipynb</a:t>
+            </a:r>
+            <a:endParaRPr lang="en-US" sz="1600" dirty="0" smtClean="0"/>
+          </a:p>
+          <a:p>
+            <a:pPr marL="228600" indent="-228240">
+              <a:lnSpc>
+                <a:spcPct val="90000"/>
+              </a:lnSpc>
+              <a:buClr>
+                <a:srgbClr val="000000"/>
+              </a:buClr>
+              <a:buFont typeface="Arial"/>
+              <a:buChar char="•"/>
+            </a:pPr>
+            <a:endParaRPr lang="en-IN" dirty="0" smtClean="0"/>
+          </a:p>
+          <a:p>
+            <a:pPr marL="228600" indent="-228240">
+              <a:lnSpc>
+                <a:spcPct val="90000"/>
+              </a:lnSpc>
+              <a:buClr>
+                <a:srgbClr val="000000"/>
+              </a:buClr>
+              <a:buFont typeface="Arial"/>
+              <a:buChar char="•"/>
+            </a:pPr>
+            <a:r>
+              <a:rPr lang="en-IN" b="1" dirty="0" smtClean="0"/>
+              <a:t>Parking slot Detector Model link-</a:t>
+            </a:r>
+            <a:r>
+              <a:rPr lang="en-IN" dirty="0" smtClean="0"/>
+              <a:t> </a:t>
+            </a:r>
+            <a:r>
+              <a:rPr lang="en-US" sz="2000" dirty="0" smtClean="0">
+                <a:hlinkClick r:id="rId5"/>
+              </a:rPr>
+              <a:t>https://github.com/aryachiranjeev/Parking-Lot/blob/master/DETECTING_PARKING_SLOTS.ipynb</a:t>
+            </a:r>
+            <a:endParaRPr lang="en-US" sz="2000" b="1" dirty="0" smtClean="0"/>
+          </a:p>
+          <a:p>
+            <a:pPr marL="228600" indent="-228240">
+              <a:lnSpc>
+                <a:spcPct val="90000"/>
+              </a:lnSpc>
+              <a:buClr>
+                <a:srgbClr val="000000"/>
+              </a:buClr>
+              <a:buFont typeface="Arial"/>
+              <a:buChar char="•"/>
+            </a:pPr>
+            <a:endParaRPr lang="en-IN" sz="2000" b="1" dirty="0" smtClean="0"/>
+          </a:p>
+          <a:p>
+            <a:pPr marL="228600" indent="-228240">
+              <a:lnSpc>
+                <a:spcPct val="90000"/>
+              </a:lnSpc>
+              <a:buClr>
+                <a:srgbClr val="000000"/>
+              </a:buClr>
+              <a:buFont typeface="Arial"/>
+              <a:buChar char="•"/>
+            </a:pPr>
+            <a:r>
+              <a:rPr lang="en-IN" sz="2000" b="1" dirty="0" smtClean="0"/>
+              <a:t>Android  App link –</a:t>
+            </a:r>
+            <a:r>
+              <a:rPr lang="en-IN" dirty="0" smtClean="0"/>
+              <a:t> </a:t>
+            </a:r>
+            <a:r>
+              <a:rPr lang="en-US" smtClean="0">
+                <a:hlinkClick r:id="rId6"/>
+              </a:rPr>
+              <a:t>https://github.com/aryachiranjeev/Parking-Lot/blob/master/app-debug.apk</a:t>
+            </a:r>
+            <a:endParaRPr lang="en-IN" dirty="0" smtClean="0"/>
+          </a:p>
+          <a:p>
+            <a:pPr marL="228600" indent="-228240">
+              <a:lnSpc>
+                <a:spcPct val="90000"/>
+              </a:lnSpc>
+              <a:buClr>
+                <a:srgbClr val="000000"/>
+              </a:buClr>
+              <a:buFont typeface="Arial"/>
+              <a:buChar char="•"/>
+            </a:pPr>
+            <a:endParaRPr lang="en-IN" dirty="0" smtClean="0"/>
+          </a:p>
+          <a:p>
+            <a:pPr marL="228600" indent="-228240">
+              <a:lnSpc>
+                <a:spcPct val="90000"/>
+              </a:lnSpc>
+              <a:buClr>
+                <a:srgbClr val="000000"/>
+              </a:buClr>
+              <a:buFont typeface="Arial"/>
+              <a:buChar char="•"/>
+            </a:pPr>
+            <a:r>
+              <a:rPr lang="en-IN" sz="2000" b="1" dirty="0" smtClean="0"/>
+              <a:t>Problem Solution Architecture link –</a:t>
+            </a:r>
+            <a:r>
+              <a:rPr lang="en-US" sz="2000" dirty="0" smtClean="0">
+                <a:hlinkClick r:id="rId7"/>
+              </a:rPr>
+              <a:t>https://github.com/aryachiranjeev/Parking-Lot/blob/master/project%20architecture.docx</a:t>
+            </a:r>
+            <a:endParaRPr lang="en-IN" sz="2000" b="1" dirty="0" smtClean="0"/>
+          </a:p>
+          <a:p>
+            <a:pPr marL="228600" indent="-228240">
+              <a:lnSpc>
+                <a:spcPct val="90000"/>
+              </a:lnSpc>
+              <a:buClr>
+                <a:srgbClr val="000000"/>
+              </a:buClr>
+              <a:buFont typeface="Arial"/>
+              <a:buChar char="•"/>
+            </a:pPr>
+            <a:endParaRPr lang="en-IN" sz="2000" b="1" strike="noStrike" spc="-1" dirty="0" smtClean="0">
+              <a:solidFill>
+                <a:srgbClr val="000000"/>
+              </a:solidFill>
+              <a:uFill>
+                <a:solidFill>
+                  <a:srgbClr val="FFFFFF"/>
+                </a:solidFill>
+              </a:uFill>
+              <a:latin typeface="Calibri"/>
+            </a:endParaRPr>
+          </a:p>
+          <a:p>
+            <a:pPr marL="228600" indent="-228240">
+              <a:lnSpc>
+                <a:spcPct val="90000"/>
+              </a:lnSpc>
+              <a:buClr>
+                <a:srgbClr val="000000"/>
+              </a:buClr>
+              <a:buFont typeface="Arial"/>
+              <a:buChar char="•"/>
+            </a:pPr>
+            <a:r>
+              <a:rPr lang="en-IN" sz="2400" b="1" spc="-1" dirty="0" smtClean="0">
+                <a:solidFill>
+                  <a:srgbClr val="000000"/>
+                </a:solidFill>
+                <a:uFill>
+                  <a:solidFill>
+                    <a:srgbClr val="FFFFFF"/>
+                  </a:solidFill>
+                </a:uFill>
+                <a:latin typeface="Calibri"/>
+              </a:rPr>
+              <a:t>Technical Architecture link -</a:t>
+            </a:r>
+            <a:r>
+              <a:rPr lang="en-US" dirty="0" smtClean="0">
+                <a:hlinkClick r:id="rId8"/>
+              </a:rPr>
+              <a:t>https://github.com/aryachiranjeev/Parking-Lot/blob/master/Read%20Me(Technial%20Architecture).docx</a:t>
+            </a:r>
+            <a:endParaRPr lang="en-US" dirty="0" smtClean="0"/>
+          </a:p>
+          <a:p>
+            <a:pPr marL="228600" indent="-228240">
+              <a:lnSpc>
+                <a:spcPct val="90000"/>
+              </a:lnSpc>
+              <a:buClr>
+                <a:srgbClr val="000000"/>
+              </a:buClr>
+              <a:buFont typeface="Arial"/>
+              <a:buChar char="•"/>
+            </a:pPr>
+            <a:endParaRPr lang="en-IN" sz="2400" spc="-1" dirty="0">
+              <a:solidFill>
+                <a:srgbClr val="000000"/>
+              </a:solidFill>
+              <a:uFill>
+                <a:solidFill>
+                  <a:srgbClr val="FFFFFF"/>
+                </a:solidFill>
+              </a:uFill>
+              <a:latin typeface="Calibri"/>
+            </a:endParaRPr>
+          </a:p>
+          <a:p>
+            <a:pPr marL="228600" indent="-228240">
+              <a:lnSpc>
+                <a:spcPct val="90000"/>
+              </a:lnSpc>
+              <a:buClr>
+                <a:srgbClr val="000000"/>
+              </a:buClr>
+              <a:buFont typeface="Arial"/>
+              <a:buChar char="•"/>
+            </a:pPr>
+            <a:r>
+              <a:rPr lang="en-IN" sz="2400" b="1" spc="-1" dirty="0" err="1" smtClean="0">
+                <a:solidFill>
+                  <a:srgbClr val="000000"/>
+                </a:solidFill>
+                <a:uFill>
+                  <a:solidFill>
+                    <a:srgbClr val="FFFFFF"/>
+                  </a:solidFill>
+                </a:uFill>
+                <a:latin typeface="Calibri"/>
+              </a:rPr>
+              <a:t>G</a:t>
+            </a:r>
+            <a:r>
+              <a:rPr lang="en-IN" sz="2400" b="1" strike="noStrike" spc="-1" dirty="0" err="1" smtClean="0">
+                <a:solidFill>
+                  <a:srgbClr val="000000"/>
+                </a:solidFill>
+                <a:uFill>
+                  <a:solidFill>
+                    <a:srgbClr val="FFFFFF"/>
+                  </a:solidFill>
+                </a:uFill>
+                <a:latin typeface="Calibri"/>
+              </a:rPr>
+              <a:t>ithub</a:t>
+            </a:r>
+            <a:r>
+              <a:rPr lang="en-IN" sz="2400" b="1" strike="noStrike" spc="-1" dirty="0" smtClean="0">
+                <a:solidFill>
+                  <a:srgbClr val="000000"/>
+                </a:solidFill>
+                <a:uFill>
+                  <a:solidFill>
+                    <a:srgbClr val="FFFFFF"/>
+                  </a:solidFill>
+                </a:uFill>
+                <a:latin typeface="Calibri"/>
+              </a:rPr>
+              <a:t> Repository link-</a:t>
+            </a:r>
+            <a:r>
+              <a:rPr lang="en-US" sz="2000" dirty="0" smtClean="0">
+                <a:hlinkClick r:id="rId9"/>
+              </a:rPr>
+              <a:t>https://github.com/aryachiranjeev/Parking-Lot</a:t>
+            </a:r>
+            <a:endParaRPr lang="en-IN" sz="2000" b="1" strike="noStrike" spc="-1" dirty="0" smtClean="0">
               <a:solidFill>
                 <a:srgbClr val="000000"/>
               </a:solidFill>
@@ -15111,7 +16044,7 @@
           <p:nvPr/>
         </p:nvPicPr>
         <p:blipFill>
-          <a:blip r:embed="rId2" cstate="print"/>
+          <a:blip r:embed="rId10" cstate="print"/>
           <a:stretch/>
         </p:blipFill>
         <p:spPr>
